--- a/documents/Présentation_Analyse_Batch.pptx
+++ b/documents/Présentation_Analyse_Batch.pptx
@@ -110,6 +110,11 @@
       </a:defRPr>
     </a:lvl9pPr>
   </p:defaultTextStyle>
+  <p:extLst>
+    <p:ext uri="{EFAFB233-063F-42B5-8137-9DF3F51BA10A}">
+      <p15:sldGuideLst xmlns:p15="http://schemas.microsoft.com/office/powerpoint/2012/main"/>
+    </p:ext>
+  </p:extLst>
 </p:presentation>
 </file>
 
@@ -260,7 +265,7 @@
           <a:p>
             <a:fld id="{28DDB9BB-E252-4506-A7E8-CFEDCA012D4D}" type="datetimeFigureOut">
               <a:rPr lang="fr-FR" smtClean="0"/>
-              <a:t>11/10/2018</a:t>
+              <a:t>12/10/2018</a:t>
             </a:fld>
             <a:endParaRPr lang="fr-FR"/>
           </a:p>
@@ -458,7 +463,7 @@
           <a:p>
             <a:fld id="{28DDB9BB-E252-4506-A7E8-CFEDCA012D4D}" type="datetimeFigureOut">
               <a:rPr lang="fr-FR" smtClean="0"/>
-              <a:t>11/10/2018</a:t>
+              <a:t>12/10/2018</a:t>
             </a:fld>
             <a:endParaRPr lang="fr-FR"/>
           </a:p>
@@ -666,7 +671,7 @@
           <a:p>
             <a:fld id="{28DDB9BB-E252-4506-A7E8-CFEDCA012D4D}" type="datetimeFigureOut">
               <a:rPr lang="fr-FR" smtClean="0"/>
-              <a:t>11/10/2018</a:t>
+              <a:t>12/10/2018</a:t>
             </a:fld>
             <a:endParaRPr lang="fr-FR"/>
           </a:p>
@@ -864,7 +869,7 @@
           <a:p>
             <a:fld id="{28DDB9BB-E252-4506-A7E8-CFEDCA012D4D}" type="datetimeFigureOut">
               <a:rPr lang="fr-FR" smtClean="0"/>
-              <a:t>11/10/2018</a:t>
+              <a:t>12/10/2018</a:t>
             </a:fld>
             <a:endParaRPr lang="fr-FR"/>
           </a:p>
@@ -1139,7 +1144,7 @@
           <a:p>
             <a:fld id="{28DDB9BB-E252-4506-A7E8-CFEDCA012D4D}" type="datetimeFigureOut">
               <a:rPr lang="fr-FR" smtClean="0"/>
-              <a:t>11/10/2018</a:t>
+              <a:t>12/10/2018</a:t>
             </a:fld>
             <a:endParaRPr lang="fr-FR"/>
           </a:p>
@@ -1404,7 +1409,7 @@
           <a:p>
             <a:fld id="{28DDB9BB-E252-4506-A7E8-CFEDCA012D4D}" type="datetimeFigureOut">
               <a:rPr lang="fr-FR" smtClean="0"/>
-              <a:t>11/10/2018</a:t>
+              <a:t>12/10/2018</a:t>
             </a:fld>
             <a:endParaRPr lang="fr-FR"/>
           </a:p>
@@ -1816,7 +1821,7 @@
           <a:p>
             <a:fld id="{28DDB9BB-E252-4506-A7E8-CFEDCA012D4D}" type="datetimeFigureOut">
               <a:rPr lang="fr-FR" smtClean="0"/>
-              <a:t>11/10/2018</a:t>
+              <a:t>12/10/2018</a:t>
             </a:fld>
             <a:endParaRPr lang="fr-FR"/>
           </a:p>
@@ -1957,7 +1962,7 @@
           <a:p>
             <a:fld id="{28DDB9BB-E252-4506-A7E8-CFEDCA012D4D}" type="datetimeFigureOut">
               <a:rPr lang="fr-FR" smtClean="0"/>
-              <a:t>11/10/2018</a:t>
+              <a:t>12/10/2018</a:t>
             </a:fld>
             <a:endParaRPr lang="fr-FR"/>
           </a:p>
@@ -2070,7 +2075,7 @@
           <a:p>
             <a:fld id="{28DDB9BB-E252-4506-A7E8-CFEDCA012D4D}" type="datetimeFigureOut">
               <a:rPr lang="fr-FR" smtClean="0"/>
-              <a:t>11/10/2018</a:t>
+              <a:t>12/10/2018</a:t>
             </a:fld>
             <a:endParaRPr lang="fr-FR"/>
           </a:p>
@@ -2381,7 +2386,7 @@
           <a:p>
             <a:fld id="{28DDB9BB-E252-4506-A7E8-CFEDCA012D4D}" type="datetimeFigureOut">
               <a:rPr lang="fr-FR" smtClean="0"/>
-              <a:t>11/10/2018</a:t>
+              <a:t>12/10/2018</a:t>
             </a:fld>
             <a:endParaRPr lang="fr-FR"/>
           </a:p>
@@ -2669,7 +2674,7 @@
           <a:p>
             <a:fld id="{28DDB9BB-E252-4506-A7E8-CFEDCA012D4D}" type="datetimeFigureOut">
               <a:rPr lang="fr-FR" smtClean="0"/>
-              <a:t>11/10/2018</a:t>
+              <a:t>12/10/2018</a:t>
             </a:fld>
             <a:endParaRPr lang="fr-FR"/>
           </a:p>
@@ -2910,7 +2915,7 @@
           <a:p>
             <a:fld id="{28DDB9BB-E252-4506-A7E8-CFEDCA012D4D}" type="datetimeFigureOut">
               <a:rPr lang="fr-FR" smtClean="0"/>
-              <a:t>11/10/2018</a:t>
+              <a:t>12/10/2018</a:t>
             </a:fld>
             <a:endParaRPr lang="fr-FR"/>
           </a:p>
@@ -3476,15 +3481,7 @@
           <a:p>
             <a:r>
               <a:rPr lang="fr-FR" dirty="0"/>
-              <a:t>Afin de trouver des experts sur des sujet incongrus, sur les données du </a:t>
-            </a:r>
-            <a:r>
-              <a:rPr lang="fr-FR" dirty="0" err="1"/>
-              <a:t>Wikipedia</a:t>
-            </a:r>
-            <a:r>
-              <a:rPr lang="fr-FR" dirty="0"/>
-              <a:t> français, on va sélectionner les trois utilisateurs qui contribuent le plus sur un sujet et ses voisins.</a:t>
+              <a:t>Afin de trouver des experts dans des domaines incongrus, sur les données du Wikipédia français, nous allons sélectionner les trois utilisateurs qui contribuent le plus sur un sujet et ses voisins.</a:t>
             </a:r>
           </a:p>
           <a:p>
@@ -4719,7 +4716,7 @@
                 <a:pPr algn="ctr"/>
                 <a:r>
                   <a:rPr lang="fr-FR" sz="1100" dirty="0"/>
-                  <a:t>Client</a:t>
+                  <a:t> find_experts.py</a:t>
                 </a:r>
               </a:p>
             </p:txBody>
@@ -6282,7 +6279,7 @@
             <p:spPr>
               <a:xfrm>
                 <a:off x="9470813" y="981111"/>
-                <a:ext cx="1603623" cy="1277273"/>
+                <a:ext cx="1709483" cy="1277273"/>
               </a:xfrm>
               <a:prstGeom prst="rect">
                 <a:avLst/>
@@ -6360,7 +6357,7 @@
                       </a:schemeClr>
                     </a:solidFill>
                   </a:rPr>
-                  <a:t>Fichiers Révision : 5964</a:t>
+                  <a:t># Fichiers Révision : 5964</a:t>
                 </a:r>
               </a:p>
               <a:p>
@@ -6372,7 +6369,7 @@
                       </a:schemeClr>
                     </a:solidFill>
                   </a:rPr>
-                  <a:t>Fichiers Pagelink : 51</a:t>
+                  <a:t># Fichiers Pagelink : 51</a:t>
                 </a:r>
               </a:p>
             </p:txBody>

--- a/documents/Présentation_Analyse_Batch.pptx
+++ b/documents/Présentation_Analyse_Batch.pptx
@@ -265,7 +265,7 @@
           <a:p>
             <a:fld id="{28DDB9BB-E252-4506-A7E8-CFEDCA012D4D}" type="datetimeFigureOut">
               <a:rPr lang="fr-FR" smtClean="0"/>
-              <a:t>12/10/2018</a:t>
+              <a:t>13/10/2018</a:t>
             </a:fld>
             <a:endParaRPr lang="fr-FR"/>
           </a:p>
@@ -463,7 +463,7 @@
           <a:p>
             <a:fld id="{28DDB9BB-E252-4506-A7E8-CFEDCA012D4D}" type="datetimeFigureOut">
               <a:rPr lang="fr-FR" smtClean="0"/>
-              <a:t>12/10/2018</a:t>
+              <a:t>13/10/2018</a:t>
             </a:fld>
             <a:endParaRPr lang="fr-FR"/>
           </a:p>
@@ -671,7 +671,7 @@
           <a:p>
             <a:fld id="{28DDB9BB-E252-4506-A7E8-CFEDCA012D4D}" type="datetimeFigureOut">
               <a:rPr lang="fr-FR" smtClean="0"/>
-              <a:t>12/10/2018</a:t>
+              <a:t>13/10/2018</a:t>
             </a:fld>
             <a:endParaRPr lang="fr-FR"/>
           </a:p>
@@ -869,7 +869,7 @@
           <a:p>
             <a:fld id="{28DDB9BB-E252-4506-A7E8-CFEDCA012D4D}" type="datetimeFigureOut">
               <a:rPr lang="fr-FR" smtClean="0"/>
-              <a:t>12/10/2018</a:t>
+              <a:t>13/10/2018</a:t>
             </a:fld>
             <a:endParaRPr lang="fr-FR"/>
           </a:p>
@@ -1144,7 +1144,7 @@
           <a:p>
             <a:fld id="{28DDB9BB-E252-4506-A7E8-CFEDCA012D4D}" type="datetimeFigureOut">
               <a:rPr lang="fr-FR" smtClean="0"/>
-              <a:t>12/10/2018</a:t>
+              <a:t>13/10/2018</a:t>
             </a:fld>
             <a:endParaRPr lang="fr-FR"/>
           </a:p>
@@ -1409,7 +1409,7 @@
           <a:p>
             <a:fld id="{28DDB9BB-E252-4506-A7E8-CFEDCA012D4D}" type="datetimeFigureOut">
               <a:rPr lang="fr-FR" smtClean="0"/>
-              <a:t>12/10/2018</a:t>
+              <a:t>13/10/2018</a:t>
             </a:fld>
             <a:endParaRPr lang="fr-FR"/>
           </a:p>
@@ -1821,7 +1821,7 @@
           <a:p>
             <a:fld id="{28DDB9BB-E252-4506-A7E8-CFEDCA012D4D}" type="datetimeFigureOut">
               <a:rPr lang="fr-FR" smtClean="0"/>
-              <a:t>12/10/2018</a:t>
+              <a:t>13/10/2018</a:t>
             </a:fld>
             <a:endParaRPr lang="fr-FR"/>
           </a:p>
@@ -1962,7 +1962,7 @@
           <a:p>
             <a:fld id="{28DDB9BB-E252-4506-A7E8-CFEDCA012D4D}" type="datetimeFigureOut">
               <a:rPr lang="fr-FR" smtClean="0"/>
-              <a:t>12/10/2018</a:t>
+              <a:t>13/10/2018</a:t>
             </a:fld>
             <a:endParaRPr lang="fr-FR"/>
           </a:p>
@@ -2075,7 +2075,7 @@
           <a:p>
             <a:fld id="{28DDB9BB-E252-4506-A7E8-CFEDCA012D4D}" type="datetimeFigureOut">
               <a:rPr lang="fr-FR" smtClean="0"/>
-              <a:t>12/10/2018</a:t>
+              <a:t>13/10/2018</a:t>
             </a:fld>
             <a:endParaRPr lang="fr-FR"/>
           </a:p>
@@ -2386,7 +2386,7 @@
           <a:p>
             <a:fld id="{28DDB9BB-E252-4506-A7E8-CFEDCA012D4D}" type="datetimeFigureOut">
               <a:rPr lang="fr-FR" smtClean="0"/>
-              <a:t>12/10/2018</a:t>
+              <a:t>13/10/2018</a:t>
             </a:fld>
             <a:endParaRPr lang="fr-FR"/>
           </a:p>
@@ -2674,7 +2674,7 @@
           <a:p>
             <a:fld id="{28DDB9BB-E252-4506-A7E8-CFEDCA012D4D}" type="datetimeFigureOut">
               <a:rPr lang="fr-FR" smtClean="0"/>
-              <a:t>12/10/2018</a:t>
+              <a:t>13/10/2018</a:t>
             </a:fld>
             <a:endParaRPr lang="fr-FR"/>
           </a:p>
@@ -2915,7 +2915,7 @@
           <a:p>
             <a:fld id="{28DDB9BB-E252-4506-A7E8-CFEDCA012D4D}" type="datetimeFigureOut">
               <a:rPr lang="fr-FR" smtClean="0"/>
-              <a:t>12/10/2018</a:t>
+              <a:t>13/10/2018</a:t>
             </a:fld>
             <a:endParaRPr lang="fr-FR"/>
           </a:p>
@@ -3464,7 +3464,9 @@
         </p:nvSpPr>
         <p:spPr/>
         <p:txBody>
-          <a:bodyPr/>
+          <a:bodyPr>
+            <a:normAutofit/>
+          </a:bodyPr>
           <a:lstStyle/>
           <a:p>
             <a:r>
@@ -3481,7 +3483,15 @@
           <a:p>
             <a:r>
               <a:rPr lang="fr-FR" dirty="0"/>
-              <a:t>Afin de trouver des experts dans des domaines incongrus, sur les données du Wikipédia français, nous allons sélectionner les trois utilisateurs qui contribuent le plus sur un sujet et ses voisins.</a:t>
+              <a:t>Afin de trouver des experts dans des domaines </a:t>
+            </a:r>
+            <a:r>
+              <a:rPr lang="fr-FR"/>
+              <a:t>incongrus, </a:t>
+            </a:r>
+            <a:r>
+              <a:rPr lang="fr-FR" dirty="0"/>
+              <a:t>nous allons sélectionner les trois utilisateurs qui contribuent le plus sur un sujet et ses voisins dans le Wikipédia en français.</a:t>
             </a:r>
           </a:p>
           <a:p>

--- a/documents/Présentation_Analyse_Batch.pptx
+++ b/documents/Présentation_Analyse_Batch.pptx
@@ -11,7 +11,8 @@
     <p:sldId id="259" r:id="rId5"/>
     <p:sldId id="260" r:id="rId6"/>
     <p:sldId id="261" r:id="rId7"/>
-    <p:sldId id="262" r:id="rId8"/>
+    <p:sldId id="263" r:id="rId8"/>
+    <p:sldId id="262" r:id="rId9"/>
   </p:sldIdLst>
   <p:sldSz cx="12192000" cy="6858000"/>
   <p:notesSz cx="6858000" cy="9144000"/>
@@ -3483,15 +3484,7 @@
           <a:p>
             <a:r>
               <a:rPr lang="fr-FR" dirty="0"/>
-              <a:t>Afin de trouver des experts dans des domaines </a:t>
-            </a:r>
-            <a:r>
-              <a:rPr lang="fr-FR"/>
-              <a:t>incongrus, </a:t>
-            </a:r>
-            <a:r>
-              <a:rPr lang="fr-FR" dirty="0"/>
-              <a:t>nous allons sélectionner les trois utilisateurs qui contribuent le plus sur un sujet et ses voisins dans le Wikipédia en français.</a:t>
+              <a:t>Afin de trouver des experts dans des domaines incongrus, nous allons sélectionner les trois utilisateurs qui contribuent le plus sur un sujet et ses voisins dans le Wikipédia en français.</a:t>
             </a:r>
           </a:p>
           <a:p>
@@ -3584,7 +3577,12 @@
             <p:ph idx="1"/>
           </p:nvPr>
         </p:nvSpPr>
-        <p:spPr/>
+        <p:spPr>
+          <a:xfrm>
+            <a:off x="838200" y="1825624"/>
+            <a:ext cx="10515600" cy="4879975"/>
+          </a:xfrm>
+        </p:spPr>
         <p:txBody>
           <a:bodyPr/>
           <a:lstStyle/>
@@ -3625,10 +3623,6 @@
             </a:r>
           </a:p>
           <a:p>
-            <a:pPr lvl="1"/>
-            <a:endParaRPr lang="fr-FR" dirty="0"/>
-          </a:p>
-          <a:p>
             <a:r>
               <a:rPr lang="fr-FR" dirty="0"/>
               <a:t>Apache Spark 2.3.1</a:t>
@@ -3648,6 +3642,41 @@
               <a:rPr lang="fr-FR" dirty="0"/>
               <a:t> stockés dans le Data Lake. </a:t>
             </a:r>
+          </a:p>
+          <a:p>
+            <a:r>
+              <a:rPr lang="fr-FR" dirty="0"/>
+              <a:t>Python 3.5.2</a:t>
+            </a:r>
+          </a:p>
+          <a:p>
+            <a:pPr lvl="1"/>
+            <a:r>
+              <a:rPr lang="fr-FR" dirty="0"/>
+              <a:t>Langage de programmation pour le développement de l’application</a:t>
+            </a:r>
+          </a:p>
+          <a:p>
+            <a:r>
+              <a:rPr lang="fr-FR" dirty="0" err="1"/>
+              <a:t>fastavro</a:t>
+            </a:r>
+            <a:r>
+              <a:rPr lang="fr-FR" dirty="0"/>
+              <a:t> 0.21.5</a:t>
+            </a:r>
+          </a:p>
+          <a:p>
+            <a:pPr lvl="1"/>
+            <a:r>
+              <a:rPr lang="fr-FR" dirty="0"/>
+              <a:t>Package Python pour la sérialisation </a:t>
+            </a:r>
+            <a:r>
+              <a:rPr lang="fr-FR" dirty="0" err="1"/>
+              <a:t>Avro</a:t>
+            </a:r>
+            <a:endParaRPr lang="fr-FR" dirty="0"/>
           </a:p>
         </p:txBody>
       </p:sp>
@@ -6367,7 +6396,7 @@
                       </a:schemeClr>
                     </a:solidFill>
                   </a:rPr>
-                  <a:t># Fichiers Révision : 5964</a:t>
+                  <a:t># Fichiers Révision : 5965</a:t>
                 </a:r>
               </a:p>
               <a:p>
@@ -6379,7 +6408,7 @@
                       </a:schemeClr>
                     </a:solidFill>
                   </a:rPr>
-                  <a:t># Fichiers Pagelink : 51</a:t>
+                  <a:t># Fichiers Pagelink : 52</a:t>
                 </a:r>
               </a:p>
             </p:txBody>
@@ -6437,7 +6466,15 @@
           <a:bodyPr/>
           <a:lstStyle/>
           <a:p>
-            <a:endParaRPr lang="fr-FR"/>
+            <a:r>
+              <a:rPr lang="fr-FR" dirty="0"/>
+              <a:t>Import de données : </a:t>
+            </a:r>
+            <a:r>
+              <a:rPr lang="fr-FR" dirty="0" err="1"/>
+              <a:t>pagelinks</a:t>
+            </a:r>
+            <a:endParaRPr lang="fr-FR" dirty="0"/>
           </a:p>
         </p:txBody>
       </p:sp>
@@ -6457,12 +6494,130 @@
             <p:ph idx="1"/>
           </p:nvPr>
         </p:nvSpPr>
-        <p:spPr/>
-        <p:txBody>
-          <a:bodyPr/>
+        <p:spPr>
+          <a:xfrm>
+            <a:off x="838200" y="1825624"/>
+            <a:ext cx="10515600" cy="4775701"/>
+          </a:xfrm>
+        </p:spPr>
+        <p:txBody>
+          <a:bodyPr>
+            <a:normAutofit/>
+          </a:bodyPr>
           <a:lstStyle/>
           <a:p>
-            <a:endParaRPr lang="fr-FR"/>
+            <a:r>
+              <a:rPr lang="fr-FR" dirty="0"/>
+              <a:t>L’extraction des </a:t>
+            </a:r>
+            <a:r>
+              <a:rPr lang="fr-FR" dirty="0" err="1"/>
+              <a:t>pagelinks</a:t>
+            </a:r>
+            <a:r>
+              <a:rPr lang="fr-FR" dirty="0"/>
+              <a:t> est effectuée via dump MySQL. Environ 9Go.</a:t>
+            </a:r>
+          </a:p>
+          <a:p>
+            <a:r>
+              <a:rPr lang="fr-FR" dirty="0"/>
+              <a:t>Le script process_pagelinks.py lit directement la fichier dump.</a:t>
+            </a:r>
+          </a:p>
+          <a:p>
+            <a:r>
+              <a:rPr lang="fr-FR" dirty="0"/>
+              <a:t>Il y a plusieurs </a:t>
+            </a:r>
+            <a:r>
+              <a:rPr lang="fr-FR" dirty="0" err="1"/>
+              <a:t>pagelink</a:t>
+            </a:r>
+            <a:r>
+              <a:rPr lang="fr-FR" dirty="0"/>
+              <a:t> pas ligne INSERT.</a:t>
+            </a:r>
+          </a:p>
+          <a:p>
+            <a:r>
+              <a:rPr lang="fr-FR" dirty="0"/>
+              <a:t>Le script lit le dump génère un nouveau fichier </a:t>
+            </a:r>
+            <a:r>
+              <a:rPr lang="fr-FR" dirty="0" err="1"/>
+              <a:t>Avro</a:t>
+            </a:r>
+            <a:r>
+              <a:rPr lang="fr-FR" dirty="0"/>
+              <a:t> sur un FS HDFS tous les 190 INSERT (paramétrable). </a:t>
+            </a:r>
+          </a:p>
+          <a:p>
+            <a:r>
+              <a:rPr lang="fr-FR" dirty="0"/>
+              <a:t>Le nombre de </a:t>
+            </a:r>
+            <a:r>
+              <a:rPr lang="fr-FR" dirty="0" err="1"/>
+              <a:t>pagelink</a:t>
+            </a:r>
+            <a:r>
+              <a:rPr lang="fr-FR" dirty="0"/>
+              <a:t> par lignes d’INSERT est supérieur à 28000.</a:t>
+            </a:r>
+          </a:p>
+          <a:p>
+            <a:r>
+              <a:rPr lang="fr-FR" dirty="0"/>
+              <a:t>A chaque </a:t>
+            </a:r>
+            <a:r>
+              <a:rPr lang="fr-FR" dirty="0" err="1"/>
+              <a:t>pagelink</a:t>
+            </a:r>
+            <a:r>
+              <a:rPr lang="fr-FR" dirty="0"/>
+              <a:t> correspond un enregistrement dans </a:t>
+            </a:r>
+            <a:r>
+              <a:rPr lang="fr-FR" dirty="0" err="1"/>
+              <a:t>Avro</a:t>
+            </a:r>
+            <a:r>
+              <a:rPr lang="fr-FR" dirty="0"/>
+              <a:t>.</a:t>
+            </a:r>
+          </a:p>
+          <a:p>
+            <a:r>
+              <a:rPr lang="fr-FR" dirty="0"/>
+              <a:t>52 fichier </a:t>
+            </a:r>
+            <a:r>
+              <a:rPr lang="fr-FR" dirty="0" err="1"/>
+              <a:t>Avro</a:t>
+            </a:r>
+            <a:r>
+              <a:rPr lang="fr-FR" dirty="0"/>
+              <a:t> sont générés</a:t>
+            </a:r>
+          </a:p>
+          <a:p>
+            <a:pPr marL="0" indent="0">
+              <a:buNone/>
+            </a:pPr>
+            <a:endParaRPr lang="fr-FR" dirty="0"/>
+          </a:p>
+          <a:p>
+            <a:pPr lvl="1"/>
+            <a:endParaRPr lang="fr-FR" dirty="0"/>
+          </a:p>
+          <a:p>
+            <a:pPr marL="457200" lvl="1" indent="0">
+              <a:buNone/>
+            </a:pPr>
+            <a:endParaRPr lang="fr-FR" dirty="0"/>
           </a:p>
         </p:txBody>
       </p:sp>
@@ -6480,6 +6635,140 @@
 </file>
 
 <file path=ppt/slides/slide7.xml><?xml version="1.0" encoding="utf-8"?>
+<p:sld xmlns:a="http://schemas.openxmlformats.org/drawingml/2006/main" xmlns:r="http://schemas.openxmlformats.org/officeDocument/2006/relationships" xmlns:p="http://schemas.openxmlformats.org/presentationml/2006/main">
+  <p:cSld>
+    <p:spTree>
+      <p:nvGrpSpPr>
+        <p:cNvPr id="1" name=""/>
+        <p:cNvGrpSpPr/>
+        <p:nvPr/>
+      </p:nvGrpSpPr>
+      <p:grpSpPr>
+        <a:xfrm>
+          <a:off x="0" y="0"/>
+          <a:ext cx="0" cy="0"/>
+          <a:chOff x="0" y="0"/>
+          <a:chExt cx="0" cy="0"/>
+        </a:xfrm>
+      </p:grpSpPr>
+      <p:sp>
+        <p:nvSpPr>
+          <p:cNvPr id="2" name="Titre 1">
+            <a:extLst>
+              <a:ext uri="{FF2B5EF4-FFF2-40B4-BE49-F238E27FC236}">
+                <a16:creationId xmlns:a16="http://schemas.microsoft.com/office/drawing/2014/main" id="{FC33F8E6-25FC-4F6F-963E-A42BEA333B65}"/>
+              </a:ext>
+            </a:extLst>
+          </p:cNvPr>
+          <p:cNvSpPr>
+            <a:spLocks noGrp="1"/>
+          </p:cNvSpPr>
+          <p:nvPr>
+            <p:ph type="title"/>
+          </p:nvPr>
+        </p:nvSpPr>
+        <p:spPr/>
+        <p:txBody>
+          <a:bodyPr/>
+          <a:lstStyle/>
+          <a:p>
+            <a:r>
+              <a:rPr lang="fr-FR" dirty="0"/>
+              <a:t>Import des données : révisions</a:t>
+            </a:r>
+          </a:p>
+        </p:txBody>
+      </p:sp>
+      <p:sp>
+        <p:nvSpPr>
+          <p:cNvPr id="3" name="Espace réservé du contenu 2">
+            <a:extLst>
+              <a:ext uri="{FF2B5EF4-FFF2-40B4-BE49-F238E27FC236}">
+                <a16:creationId xmlns:a16="http://schemas.microsoft.com/office/drawing/2014/main" id="{21243B40-E874-4585-9105-29CCF4A63EF7}"/>
+              </a:ext>
+            </a:extLst>
+          </p:cNvPr>
+          <p:cNvSpPr>
+            <a:spLocks noGrp="1"/>
+          </p:cNvSpPr>
+          <p:nvPr>
+            <p:ph idx="1"/>
+          </p:nvPr>
+        </p:nvSpPr>
+        <p:spPr/>
+        <p:txBody>
+          <a:bodyPr/>
+          <a:lstStyle/>
+          <a:p>
+            <a:r>
+              <a:rPr lang="fr-FR" dirty="0"/>
+              <a:t>Toutes les révisions sont dans un fichier au format XML d’environ 60Go. </a:t>
+            </a:r>
+          </a:p>
+          <a:p>
+            <a:r>
+              <a:rPr lang="fr-FR" dirty="0"/>
+              <a:t>Le script process_history.py </a:t>
+            </a:r>
+            <a:r>
+              <a:rPr lang="fr-FR" dirty="0" err="1"/>
+              <a:t>parse</a:t>
+            </a:r>
+            <a:r>
+              <a:rPr lang="fr-FR" dirty="0"/>
+              <a:t> le fichier en utilisant du streaming XML.</a:t>
+            </a:r>
+          </a:p>
+          <a:p>
+            <a:r>
+              <a:rPr lang="fr-FR" dirty="0"/>
+              <a:t>Pour ne pas saturer la mémoire,  chaque fois qu’un fichier </a:t>
+            </a:r>
+            <a:r>
+              <a:rPr lang="fr-FR" dirty="0" err="1"/>
+              <a:t>Avro</a:t>
+            </a:r>
+            <a:r>
+              <a:rPr lang="fr-FR" dirty="0"/>
+              <a:t> est généré sur le FS HDFS, on libère toutes les ressources occupées par les éléments corresponds en mémoire.</a:t>
+            </a:r>
+          </a:p>
+          <a:p>
+            <a:r>
+              <a:rPr lang="fr-FR" dirty="0"/>
+              <a:t>Chaque élément page contient l’ensemble de ses révisions.</a:t>
+            </a:r>
+          </a:p>
+          <a:p>
+            <a:r>
+              <a:rPr lang="fr-FR" dirty="0"/>
+              <a:t>Un ficher </a:t>
+            </a:r>
+            <a:r>
+              <a:rPr lang="fr-FR" dirty="0" err="1"/>
+              <a:t>Avro</a:t>
+            </a:r>
+            <a:r>
+              <a:rPr lang="fr-FR" dirty="0"/>
+              <a:t> est généré toutes les 1580 pages (paramétrable).</a:t>
+            </a:r>
+          </a:p>
+        </p:txBody>
+      </p:sp>
+    </p:spTree>
+    <p:extLst>
+      <p:ext uri="{BB962C8B-B14F-4D97-AF65-F5344CB8AC3E}">
+        <p14:creationId xmlns:p14="http://schemas.microsoft.com/office/powerpoint/2010/main" val="274051222"/>
+      </p:ext>
+    </p:extLst>
+  </p:cSld>
+  <p:clrMapOvr>
+    <a:masterClrMapping/>
+  </p:clrMapOvr>
+</p:sld>
+</file>
+
+<file path=ppt/slides/slide8.xml><?xml version="1.0" encoding="utf-8"?>
 <p:sld xmlns:a="http://schemas.openxmlformats.org/drawingml/2006/main" xmlns:r="http://schemas.openxmlformats.org/officeDocument/2006/relationships" xmlns:p="http://schemas.openxmlformats.org/presentationml/2006/main">
   <p:cSld>
     <p:spTree>

--- a/documents/Présentation_Analyse_Batch.pptx
+++ b/documents/Présentation_Analyse_Batch.pptx
@@ -12,7 +12,10 @@
     <p:sldId id="260" r:id="rId6"/>
     <p:sldId id="261" r:id="rId7"/>
     <p:sldId id="263" r:id="rId8"/>
-    <p:sldId id="262" r:id="rId9"/>
+    <p:sldId id="266" r:id="rId9"/>
+    <p:sldId id="264" r:id="rId10"/>
+    <p:sldId id="265" r:id="rId11"/>
+    <p:sldId id="262" r:id="rId12"/>
   </p:sldIdLst>
   <p:sldSz cx="12192000" cy="6858000"/>
   <p:notesSz cx="6858000" cy="9144000"/>
@@ -266,7 +269,7 @@
           <a:p>
             <a:fld id="{28DDB9BB-E252-4506-A7E8-CFEDCA012D4D}" type="datetimeFigureOut">
               <a:rPr lang="fr-FR" smtClean="0"/>
-              <a:t>13/10/2018</a:t>
+              <a:t>15/10/2018</a:t>
             </a:fld>
             <a:endParaRPr lang="fr-FR"/>
           </a:p>
@@ -464,7 +467,7 @@
           <a:p>
             <a:fld id="{28DDB9BB-E252-4506-A7E8-CFEDCA012D4D}" type="datetimeFigureOut">
               <a:rPr lang="fr-FR" smtClean="0"/>
-              <a:t>13/10/2018</a:t>
+              <a:t>15/10/2018</a:t>
             </a:fld>
             <a:endParaRPr lang="fr-FR"/>
           </a:p>
@@ -672,7 +675,7 @@
           <a:p>
             <a:fld id="{28DDB9BB-E252-4506-A7E8-CFEDCA012D4D}" type="datetimeFigureOut">
               <a:rPr lang="fr-FR" smtClean="0"/>
-              <a:t>13/10/2018</a:t>
+              <a:t>15/10/2018</a:t>
             </a:fld>
             <a:endParaRPr lang="fr-FR"/>
           </a:p>
@@ -870,7 +873,7 @@
           <a:p>
             <a:fld id="{28DDB9BB-E252-4506-A7E8-CFEDCA012D4D}" type="datetimeFigureOut">
               <a:rPr lang="fr-FR" smtClean="0"/>
-              <a:t>13/10/2018</a:t>
+              <a:t>15/10/2018</a:t>
             </a:fld>
             <a:endParaRPr lang="fr-FR"/>
           </a:p>
@@ -1145,7 +1148,7 @@
           <a:p>
             <a:fld id="{28DDB9BB-E252-4506-A7E8-CFEDCA012D4D}" type="datetimeFigureOut">
               <a:rPr lang="fr-FR" smtClean="0"/>
-              <a:t>13/10/2018</a:t>
+              <a:t>15/10/2018</a:t>
             </a:fld>
             <a:endParaRPr lang="fr-FR"/>
           </a:p>
@@ -1410,7 +1413,7 @@
           <a:p>
             <a:fld id="{28DDB9BB-E252-4506-A7E8-CFEDCA012D4D}" type="datetimeFigureOut">
               <a:rPr lang="fr-FR" smtClean="0"/>
-              <a:t>13/10/2018</a:t>
+              <a:t>15/10/2018</a:t>
             </a:fld>
             <a:endParaRPr lang="fr-FR"/>
           </a:p>
@@ -1822,7 +1825,7 @@
           <a:p>
             <a:fld id="{28DDB9BB-E252-4506-A7E8-CFEDCA012D4D}" type="datetimeFigureOut">
               <a:rPr lang="fr-FR" smtClean="0"/>
-              <a:t>13/10/2018</a:t>
+              <a:t>15/10/2018</a:t>
             </a:fld>
             <a:endParaRPr lang="fr-FR"/>
           </a:p>
@@ -1963,7 +1966,7 @@
           <a:p>
             <a:fld id="{28DDB9BB-E252-4506-A7E8-CFEDCA012D4D}" type="datetimeFigureOut">
               <a:rPr lang="fr-FR" smtClean="0"/>
-              <a:t>13/10/2018</a:t>
+              <a:t>15/10/2018</a:t>
             </a:fld>
             <a:endParaRPr lang="fr-FR"/>
           </a:p>
@@ -2076,7 +2079,7 @@
           <a:p>
             <a:fld id="{28DDB9BB-E252-4506-A7E8-CFEDCA012D4D}" type="datetimeFigureOut">
               <a:rPr lang="fr-FR" smtClean="0"/>
-              <a:t>13/10/2018</a:t>
+              <a:t>15/10/2018</a:t>
             </a:fld>
             <a:endParaRPr lang="fr-FR"/>
           </a:p>
@@ -2387,7 +2390,7 @@
           <a:p>
             <a:fld id="{28DDB9BB-E252-4506-A7E8-CFEDCA012D4D}" type="datetimeFigureOut">
               <a:rPr lang="fr-FR" smtClean="0"/>
-              <a:t>13/10/2018</a:t>
+              <a:t>15/10/2018</a:t>
             </a:fld>
             <a:endParaRPr lang="fr-FR"/>
           </a:p>
@@ -2675,7 +2678,7 @@
           <a:p>
             <a:fld id="{28DDB9BB-E252-4506-A7E8-CFEDCA012D4D}" type="datetimeFigureOut">
               <a:rPr lang="fr-FR" smtClean="0"/>
-              <a:t>13/10/2018</a:t>
+              <a:t>15/10/2018</a:t>
             </a:fld>
             <a:endParaRPr lang="fr-FR"/>
           </a:p>
@@ -2916,7 +2919,7 @@
           <a:p>
             <a:fld id="{28DDB9BB-E252-4506-A7E8-CFEDCA012D4D}" type="datetimeFigureOut">
               <a:rPr lang="fr-FR" smtClean="0"/>
-              <a:t>13/10/2018</a:t>
+              <a:t>15/10/2018</a:t>
             </a:fld>
             <a:endParaRPr lang="fr-FR"/>
           </a:p>
@@ -3402,6 +3405,388 @@
 </p:sld>
 </file>
 
+<file path=ppt/slides/slide10.xml><?xml version="1.0" encoding="utf-8"?>
+<p:sld xmlns:a="http://schemas.openxmlformats.org/drawingml/2006/main" xmlns:r="http://schemas.openxmlformats.org/officeDocument/2006/relationships" xmlns:p="http://schemas.openxmlformats.org/presentationml/2006/main">
+  <p:cSld>
+    <p:spTree>
+      <p:nvGrpSpPr>
+        <p:cNvPr id="1" name=""/>
+        <p:cNvGrpSpPr/>
+        <p:nvPr/>
+      </p:nvGrpSpPr>
+      <p:grpSpPr>
+        <a:xfrm>
+          <a:off x="0" y="0"/>
+          <a:ext cx="0" cy="0"/>
+          <a:chOff x="0" y="0"/>
+          <a:chExt cx="0" cy="0"/>
+        </a:xfrm>
+      </p:grpSpPr>
+      <p:sp>
+        <p:nvSpPr>
+          <p:cNvPr id="2" name="Titre 1">
+            <a:extLst>
+              <a:ext uri="{FF2B5EF4-FFF2-40B4-BE49-F238E27FC236}">
+                <a16:creationId xmlns:a16="http://schemas.microsoft.com/office/drawing/2014/main" id="{C7BCF83C-AF49-4D9C-9312-46E24B559576}"/>
+              </a:ext>
+            </a:extLst>
+          </p:cNvPr>
+          <p:cNvSpPr>
+            <a:spLocks noGrp="1"/>
+          </p:cNvSpPr>
+          <p:nvPr>
+            <p:ph type="title"/>
+          </p:nvPr>
+        </p:nvSpPr>
+        <p:spPr/>
+        <p:txBody>
+          <a:bodyPr/>
+          <a:lstStyle/>
+          <a:p>
+            <a:r>
+              <a:rPr lang="fr-FR" dirty="0"/>
+              <a:t>Requêtes Spark SQL et résultats</a:t>
+            </a:r>
+          </a:p>
+        </p:txBody>
+      </p:sp>
+      <p:sp>
+        <p:nvSpPr>
+          <p:cNvPr id="3" name="Espace réservé du contenu 2">
+            <a:extLst>
+              <a:ext uri="{FF2B5EF4-FFF2-40B4-BE49-F238E27FC236}">
+                <a16:creationId xmlns:a16="http://schemas.microsoft.com/office/drawing/2014/main" id="{6EC9A286-607C-4B6D-BD10-776DEFF0C582}"/>
+              </a:ext>
+            </a:extLst>
+          </p:cNvPr>
+          <p:cNvSpPr>
+            <a:spLocks noGrp="1"/>
+          </p:cNvSpPr>
+          <p:nvPr>
+            <p:ph idx="1"/>
+          </p:nvPr>
+        </p:nvSpPr>
+        <p:spPr/>
+        <p:txBody>
+          <a:bodyPr/>
+          <a:lstStyle/>
+          <a:p>
+            <a:endParaRPr lang="fr-FR" dirty="0"/>
+          </a:p>
+          <a:p>
+            <a:pPr marL="0" indent="0">
+              <a:buNone/>
+            </a:pPr>
+            <a:endParaRPr lang="fr-FR" dirty="0"/>
+          </a:p>
+          <a:p>
+            <a:r>
+              <a:rPr lang="fr-FR" dirty="0"/>
+              <a:t>Description : </a:t>
+            </a:r>
+            <a:r>
+              <a:rPr lang="fr-FR" sz="1400" dirty="0">
+                <a:hlinkClick r:id="rId2"/>
+              </a:rPr>
+              <a:t>https://github.com/plawson/oc-project4/blob/master/documents/Data-Lake-Recherche-dExperts_v1.0.pdf</a:t>
+            </a:r>
+            <a:endParaRPr lang="fr-FR" sz="1400" dirty="0"/>
+          </a:p>
+          <a:p>
+            <a:endParaRPr lang="fr-FR" sz="1400" dirty="0"/>
+          </a:p>
+          <a:p>
+            <a:endParaRPr lang="fr-FR" sz="1400" dirty="0"/>
+          </a:p>
+          <a:p>
+            <a:endParaRPr lang="fr-FR" dirty="0"/>
+          </a:p>
+        </p:txBody>
+      </p:sp>
+    </p:spTree>
+    <p:extLst>
+      <p:ext uri="{BB962C8B-B14F-4D97-AF65-F5344CB8AC3E}">
+        <p14:creationId xmlns:p14="http://schemas.microsoft.com/office/powerpoint/2010/main" val="3066344700"/>
+      </p:ext>
+    </p:extLst>
+  </p:cSld>
+  <p:clrMapOvr>
+    <a:masterClrMapping/>
+  </p:clrMapOvr>
+</p:sld>
+</file>
+
+<file path=ppt/slides/slide11.xml><?xml version="1.0" encoding="utf-8"?>
+<p:sld xmlns:a="http://schemas.openxmlformats.org/drawingml/2006/main" xmlns:r="http://schemas.openxmlformats.org/officeDocument/2006/relationships" xmlns:p="http://schemas.openxmlformats.org/presentationml/2006/main">
+  <p:cSld>
+    <p:spTree>
+      <p:nvGrpSpPr>
+        <p:cNvPr id="1" name=""/>
+        <p:cNvGrpSpPr/>
+        <p:nvPr/>
+      </p:nvGrpSpPr>
+      <p:grpSpPr>
+        <a:xfrm>
+          <a:off x="0" y="0"/>
+          <a:ext cx="0" cy="0"/>
+          <a:chOff x="0" y="0"/>
+          <a:chExt cx="0" cy="0"/>
+        </a:xfrm>
+      </p:grpSpPr>
+      <p:sp>
+        <p:nvSpPr>
+          <p:cNvPr id="2" name="Titre 1">
+            <a:extLst>
+              <a:ext uri="{FF2B5EF4-FFF2-40B4-BE49-F238E27FC236}">
+                <a16:creationId xmlns:a16="http://schemas.microsoft.com/office/drawing/2014/main" id="{C02C6B26-7B1A-4319-A85C-82983E7CB848}"/>
+              </a:ext>
+            </a:extLst>
+          </p:cNvPr>
+          <p:cNvSpPr>
+            <a:spLocks noGrp="1"/>
+          </p:cNvSpPr>
+          <p:nvPr>
+            <p:ph type="title"/>
+          </p:nvPr>
+        </p:nvSpPr>
+        <p:spPr/>
+        <p:txBody>
+          <a:bodyPr/>
+          <a:lstStyle/>
+          <a:p>
+            <a:r>
+              <a:rPr lang="fr-FR" dirty="0"/>
+              <a:t>Temps d’exécution</a:t>
+            </a:r>
+          </a:p>
+        </p:txBody>
+      </p:sp>
+      <p:pic>
+        <p:nvPicPr>
+          <p:cNvPr id="4" name="Image 3">
+            <a:extLst>
+              <a:ext uri="{FF2B5EF4-FFF2-40B4-BE49-F238E27FC236}">
+                <a16:creationId xmlns:a16="http://schemas.microsoft.com/office/drawing/2014/main" id="{E0965F36-3C2E-4600-AF71-45444EC60FC5}"/>
+              </a:ext>
+            </a:extLst>
+          </p:cNvPr>
+          <p:cNvPicPr>
+            <a:picLocks noChangeAspect="1"/>
+          </p:cNvPicPr>
+          <p:nvPr/>
+        </p:nvPicPr>
+        <p:blipFill>
+          <a:blip r:embed="rId2"/>
+          <a:stretch>
+            <a:fillRect/>
+          </a:stretch>
+        </p:blipFill>
+        <p:spPr>
+          <a:xfrm>
+            <a:off x="918410" y="3110017"/>
+            <a:ext cx="9255967" cy="2215384"/>
+          </a:xfrm>
+          <a:prstGeom prst="rect">
+            <a:avLst/>
+          </a:prstGeom>
+        </p:spPr>
+      </p:pic>
+      <p:grpSp>
+        <p:nvGrpSpPr>
+          <p:cNvPr id="11" name="Groupe 10">
+            <a:extLst>
+              <a:ext uri="{FF2B5EF4-FFF2-40B4-BE49-F238E27FC236}">
+                <a16:creationId xmlns:a16="http://schemas.microsoft.com/office/drawing/2014/main" id="{9FE2E685-AFA0-4BD7-81CF-B2D8E690B077}"/>
+              </a:ext>
+            </a:extLst>
+          </p:cNvPr>
+          <p:cNvGrpSpPr/>
+          <p:nvPr/>
+        </p:nvGrpSpPr>
+        <p:grpSpPr>
+          <a:xfrm>
+            <a:off x="7565668" y="1690688"/>
+            <a:ext cx="1758439" cy="1513412"/>
+            <a:chOff x="9586973" y="1751132"/>
+            <a:chExt cx="1758439" cy="1513412"/>
+          </a:xfrm>
+        </p:grpSpPr>
+        <p:sp>
+          <p:nvSpPr>
+            <p:cNvPr id="9" name="Rectangle 8">
+              <a:extLst>
+                <a:ext uri="{FF2B5EF4-FFF2-40B4-BE49-F238E27FC236}">
+                  <a16:creationId xmlns:a16="http://schemas.microsoft.com/office/drawing/2014/main" id="{F9C54F09-AFA6-4A22-8422-4E880697EBA0}"/>
+                </a:ext>
+              </a:extLst>
+            </p:cNvPr>
+            <p:cNvSpPr/>
+            <p:nvPr/>
+          </p:nvSpPr>
+          <p:spPr>
+            <a:xfrm>
+              <a:off x="9586973" y="1751132"/>
+              <a:ext cx="1758439" cy="1513412"/>
+            </a:xfrm>
+            <a:prstGeom prst="rect">
+              <a:avLst/>
+            </a:prstGeom>
+            <a:solidFill>
+              <a:schemeClr val="accent1">
+                <a:lumMod val="20000"/>
+                <a:lumOff val="80000"/>
+              </a:schemeClr>
+            </a:solidFill>
+            <a:ln w="19050"/>
+          </p:spPr>
+          <p:style>
+            <a:lnRef idx="2">
+              <a:schemeClr val="accent1">
+                <a:shade val="50000"/>
+              </a:schemeClr>
+            </a:lnRef>
+            <a:fillRef idx="1">
+              <a:schemeClr val="accent1"/>
+            </a:fillRef>
+            <a:effectRef idx="0">
+              <a:schemeClr val="accent1"/>
+            </a:effectRef>
+            <a:fontRef idx="minor">
+              <a:schemeClr val="lt1"/>
+            </a:fontRef>
+          </p:style>
+          <p:txBody>
+            <a:bodyPr rtlCol="0" anchor="ctr"/>
+            <a:lstStyle/>
+            <a:p>
+              <a:endParaRPr lang="fr-FR" dirty="0"/>
+            </a:p>
+          </p:txBody>
+        </p:sp>
+        <p:sp>
+          <p:nvSpPr>
+            <p:cNvPr id="10" name="ZoneTexte 9">
+              <a:extLst>
+                <a:ext uri="{FF2B5EF4-FFF2-40B4-BE49-F238E27FC236}">
+                  <a16:creationId xmlns:a16="http://schemas.microsoft.com/office/drawing/2014/main" id="{461F7C47-0D35-4DD9-BE8A-21688B963987}"/>
+                </a:ext>
+              </a:extLst>
+            </p:cNvPr>
+            <p:cNvSpPr txBox="1"/>
+            <p:nvPr/>
+          </p:nvSpPr>
+          <p:spPr>
+            <a:xfrm>
+              <a:off x="9635929" y="1893188"/>
+              <a:ext cx="1709483" cy="1277273"/>
+            </a:xfrm>
+            <a:prstGeom prst="rect">
+              <a:avLst/>
+            </a:prstGeom>
+            <a:noFill/>
+          </p:spPr>
+          <p:txBody>
+            <a:bodyPr wrap="square" rtlCol="0">
+              <a:spAutoFit/>
+            </a:bodyPr>
+            <a:lstStyle/>
+            <a:p>
+              <a:r>
+                <a:rPr lang="fr-FR" sz="1100" b="1" dirty="0">
+                  <a:solidFill>
+                    <a:schemeClr val="accent1">
+                      <a:lumMod val="75000"/>
+                    </a:schemeClr>
+                  </a:solidFill>
+                </a:rPr>
+                <a:t>Script : find_experts.py</a:t>
+              </a:r>
+            </a:p>
+            <a:p>
+              <a:r>
+                <a:rPr lang="fr-FR" sz="1100" b="1" dirty="0">
+                  <a:solidFill>
+                    <a:schemeClr val="accent1">
+                      <a:lumMod val="75000"/>
+                    </a:schemeClr>
+                  </a:solidFill>
+                </a:rPr>
+                <a:t># Executors : 3</a:t>
+              </a:r>
+            </a:p>
+            <a:p>
+              <a:r>
+                <a:rPr lang="fr-FR" sz="1100" b="1" dirty="0">
+                  <a:solidFill>
+                    <a:schemeClr val="accent1">
+                      <a:lumMod val="75000"/>
+                    </a:schemeClr>
+                  </a:solidFill>
+                </a:rPr>
+                <a:t>Executor memory : 7Go</a:t>
+              </a:r>
+            </a:p>
+            <a:p>
+              <a:r>
+                <a:rPr lang="fr-FR" sz="1100" b="1" dirty="0">
+                  <a:solidFill>
+                    <a:schemeClr val="accent1">
+                      <a:lumMod val="75000"/>
+                    </a:schemeClr>
+                  </a:solidFill>
+                </a:rPr>
+                <a:t>Driver memory : 5Go</a:t>
+              </a:r>
+            </a:p>
+            <a:p>
+              <a:endParaRPr lang="fr-FR" sz="1100" b="1" dirty="0">
+                <a:solidFill>
+                  <a:schemeClr val="accent1">
+                    <a:lumMod val="75000"/>
+                  </a:schemeClr>
+                </a:solidFill>
+              </a:endParaRPr>
+            </a:p>
+            <a:p>
+              <a:r>
+                <a:rPr lang="fr-FR" sz="1100" b="1" dirty="0">
+                  <a:solidFill>
+                    <a:schemeClr val="accent1">
+                      <a:lumMod val="75000"/>
+                    </a:schemeClr>
+                  </a:solidFill>
+                </a:rPr>
+                <a:t># Fichiers Révision : 5965</a:t>
+              </a:r>
+            </a:p>
+            <a:p>
+              <a:r>
+                <a:rPr lang="fr-FR" sz="1100" b="1" dirty="0">
+                  <a:solidFill>
+                    <a:schemeClr val="accent1">
+                      <a:lumMod val="75000"/>
+                    </a:schemeClr>
+                  </a:solidFill>
+                </a:rPr>
+                <a:t># Fichiers Pagelink : 52</a:t>
+              </a:r>
+            </a:p>
+          </p:txBody>
+        </p:sp>
+      </p:grpSp>
+    </p:spTree>
+    <p:extLst>
+      <p:ext uri="{BB962C8B-B14F-4D97-AF65-F5344CB8AC3E}">
+        <p14:creationId xmlns:p14="http://schemas.microsoft.com/office/powerpoint/2010/main" val="1101315821"/>
+      </p:ext>
+    </p:extLst>
+  </p:cSld>
+  <p:clrMapOvr>
+    <a:masterClrMapping/>
+  </p:clrMapOvr>
+</p:sld>
+</file>
+
 <file path=ppt/slides/slide2.xml><?xml version="1.0" encoding="utf-8"?>
 <p:sld xmlns:a="http://schemas.openxmlformats.org/drawingml/2006/main" xmlns:r="http://schemas.openxmlformats.org/officeDocument/2006/relationships" xmlns:p="http://schemas.openxmlformats.org/presentationml/2006/main">
   <p:cSld>
@@ -3463,7 +3848,12 @@
             <p:ph idx="1"/>
           </p:nvPr>
         </p:nvSpPr>
-        <p:spPr/>
+        <p:spPr>
+          <a:xfrm>
+            <a:off x="838200" y="1825625"/>
+            <a:ext cx="10515600" cy="4871954"/>
+          </a:xfrm>
+        </p:spPr>
         <p:txBody>
           <a:bodyPr>
             <a:normAutofit/>
@@ -3498,7 +3888,13 @@
             </a:r>
             <a:r>
               <a:rPr lang="fr-FR" dirty="0"/>
-              <a:t> composé des révisions des pages et des liens entre pages.</a:t>
+              <a:t> composé des révisions des pages et des liens entre pages du Wikipédia en français.</a:t>
+            </a:r>
+          </a:p>
+          <a:p>
+            <a:r>
+              <a:rPr lang="fr-FR" dirty="0"/>
+              <a:t>Nous analyseront l’extraction du 01/05/2018.</a:t>
             </a:r>
           </a:p>
         </p:txBody>
@@ -6522,13 +6918,41 @@
           <a:p>
             <a:r>
               <a:rPr lang="fr-FR" dirty="0"/>
-              <a:t>Le script process_pagelinks.py lit directement la fichier dump.</a:t>
-            </a:r>
-          </a:p>
-          <a:p>
+              <a:t>Il y a plusieurs milliers de </a:t>
+            </a:r>
+            <a:r>
+              <a:rPr lang="fr-FR" dirty="0" err="1"/>
+              <a:t>pagelinks</a:t>
+            </a:r>
             <a:r>
               <a:rPr lang="fr-FR" dirty="0"/>
-              <a:t>Il y a plusieurs </a:t>
+              <a:t> par ligne d’INSERT dans le fichier dump.</a:t>
+            </a:r>
+          </a:p>
+          <a:p>
+            <a:r>
+              <a:rPr lang="fr-FR" dirty="0"/>
+              <a:t>Le script process_pagelinks.py lit directement le fichier dump.</a:t>
+            </a:r>
+          </a:p>
+          <a:p>
+            <a:r>
+              <a:rPr lang="fr-FR" dirty="0"/>
+              <a:t>Un nouveau fichier </a:t>
+            </a:r>
+            <a:r>
+              <a:rPr lang="fr-FR" dirty="0" err="1"/>
+              <a:t>Avro</a:t>
+            </a:r>
+            <a:r>
+              <a:rPr lang="fr-FR" dirty="0"/>
+              <a:t> sur est généré sur le système de fichiers HDFS toutes les 190 lignes d’INSERT (paramétrable). </a:t>
+            </a:r>
+          </a:p>
+          <a:p>
+            <a:r>
+              <a:rPr lang="fr-FR" dirty="0"/>
+              <a:t>A chaque </a:t>
             </a:r>
             <a:r>
               <a:rPr lang="fr-FR" dirty="0" err="1"/>
@@ -6536,13 +6960,7 @@
             </a:r>
             <a:r>
               <a:rPr lang="fr-FR" dirty="0"/>
-              <a:t> pas ligne INSERT.</a:t>
-            </a:r>
-          </a:p>
-          <a:p>
-            <a:r>
-              <a:rPr lang="fr-FR" dirty="0"/>
-              <a:t>Le script lit le dump génère un nouveau fichier </a:t>
+              <a:t> correspond un enregistrement dans le fichier </a:t>
             </a:r>
             <a:r>
               <a:rPr lang="fr-FR" dirty="0" err="1"/>
@@ -6550,35 +6968,13 @@
             </a:r>
             <a:r>
               <a:rPr lang="fr-FR" dirty="0"/>
-              <a:t> sur un FS HDFS tous les 190 INSERT (paramétrable). </a:t>
+              <a:t>.</a:t>
             </a:r>
           </a:p>
           <a:p>
             <a:r>
               <a:rPr lang="fr-FR" dirty="0"/>
-              <a:t>Le nombre de </a:t>
-            </a:r>
-            <a:r>
-              <a:rPr lang="fr-FR" dirty="0" err="1"/>
-              <a:t>pagelink</a:t>
-            </a:r>
-            <a:r>
-              <a:rPr lang="fr-FR" dirty="0"/>
-              <a:t> par lignes d’INSERT est supérieur à 28000.</a:t>
-            </a:r>
-          </a:p>
-          <a:p>
-            <a:r>
-              <a:rPr lang="fr-FR" dirty="0"/>
-              <a:t>A chaque </a:t>
-            </a:r>
-            <a:r>
-              <a:rPr lang="fr-FR" dirty="0" err="1"/>
-              <a:t>pagelink</a:t>
-            </a:r>
-            <a:r>
-              <a:rPr lang="fr-FR" dirty="0"/>
-              <a:t> correspond un enregistrement dans </a:t>
+              <a:t>L’import sur HDFS a créé 52 fichiers </a:t>
             </a:r>
             <a:r>
               <a:rPr lang="fr-FR" dirty="0" err="1"/>
@@ -6587,20 +6983,6 @@
             <a:r>
               <a:rPr lang="fr-FR" dirty="0"/>
               <a:t>.</a:t>
-            </a:r>
-          </a:p>
-          <a:p>
-            <a:r>
-              <a:rPr lang="fr-FR" dirty="0"/>
-              <a:t>52 fichier </a:t>
-            </a:r>
-            <a:r>
-              <a:rPr lang="fr-FR" dirty="0" err="1"/>
-              <a:t>Avro</a:t>
-            </a:r>
-            <a:r>
-              <a:rPr lang="fr-FR" dirty="0"/>
-              <a:t> sont générés</a:t>
             </a:r>
           </a:p>
           <a:p>
@@ -6695,28 +7077,25 @@
             <p:ph idx="1"/>
           </p:nvPr>
         </p:nvSpPr>
-        <p:spPr/>
+        <p:spPr>
+          <a:xfrm>
+            <a:off x="838200" y="1825625"/>
+            <a:ext cx="10515600" cy="4783722"/>
+          </a:xfrm>
+        </p:spPr>
         <p:txBody>
           <a:bodyPr/>
           <a:lstStyle/>
           <a:p>
             <a:r>
               <a:rPr lang="fr-FR" dirty="0"/>
-              <a:t>Toutes les révisions sont dans un fichier au format XML d’environ 60Go. </a:t>
+              <a:t>Les révisions sont extraites dans un fichier au format XML d’environ 60Go. </a:t>
             </a:r>
           </a:p>
           <a:p>
             <a:r>
               <a:rPr lang="fr-FR" dirty="0"/>
-              <a:t>Le script process_history.py </a:t>
-            </a:r>
-            <a:r>
-              <a:rPr lang="fr-FR" dirty="0" err="1"/>
-              <a:t>parse</a:t>
-            </a:r>
-            <a:r>
-              <a:rPr lang="fr-FR" dirty="0"/>
-              <a:t> le fichier en utilisant du streaming XML.</a:t>
+              <a:t>Le script process_history.py traite le fichier de révision en utilisant du streaming XML.</a:t>
             </a:r>
           </a:p>
           <a:p>
@@ -6730,13 +7109,13 @@
             </a:r>
             <a:r>
               <a:rPr lang="fr-FR" dirty="0"/>
-              <a:t> est généré sur le FS HDFS, on libère toutes les ressources occupées par les éléments corresponds en mémoire.</a:t>
+              <a:t> est généré sur le système de fichiers HDFS, on libère toutes les ressources occupées par les éléments corresponds en mémoire.</a:t>
             </a:r>
           </a:p>
           <a:p>
             <a:r>
               <a:rPr lang="fr-FR" dirty="0"/>
-              <a:t>Chaque élément page contient l’ensemble de ses révisions.</a:t>
+              <a:t>Chaque élément page contient l’ensemble de révisions concernant cette page.</a:t>
             </a:r>
           </a:p>
           <a:p>
@@ -6790,7 +7169,7 @@
           <p:cNvPr id="2" name="Titre 1">
             <a:extLst>
               <a:ext uri="{FF2B5EF4-FFF2-40B4-BE49-F238E27FC236}">
-                <a16:creationId xmlns:a16="http://schemas.microsoft.com/office/drawing/2014/main" id="{C02C6B26-7B1A-4319-A85C-82983E7CB848}"/>
+                <a16:creationId xmlns:a16="http://schemas.microsoft.com/office/drawing/2014/main" id="{8E36BA7A-64DB-4E89-93C9-1ADFA565ABAB}"/>
               </a:ext>
             </a:extLst>
           </p:cNvPr>
@@ -6806,7 +7185,10 @@
           <a:bodyPr/>
           <a:lstStyle/>
           <a:p>
-            <a:endParaRPr lang="fr-FR"/>
+            <a:r>
+              <a:rPr lang="fr-FR" dirty="0"/>
+              <a:t>Import de données : Arborescence</a:t>
+            </a:r>
           </a:p>
         </p:txBody>
       </p:sp>
@@ -6815,7 +7197,7 @@
           <p:cNvPr id="3" name="Espace réservé du contenu 2">
             <a:extLst>
               <a:ext uri="{FF2B5EF4-FFF2-40B4-BE49-F238E27FC236}">
-                <a16:creationId xmlns:a16="http://schemas.microsoft.com/office/drawing/2014/main" id="{EB81DFF5-8367-460D-B267-8C6E916262A5}"/>
+                <a16:creationId xmlns:a16="http://schemas.microsoft.com/office/drawing/2014/main" id="{DEE2A676-389C-4D9C-AC68-DDEAE93CB79F}"/>
               </a:ext>
             </a:extLst>
           </p:cNvPr>
@@ -6831,44 +7213,253 @@
           <a:bodyPr/>
           <a:lstStyle/>
           <a:p>
-            <a:endParaRPr lang="fr-FR"/>
-          </a:p>
-        </p:txBody>
-      </p:sp>
-      <p:pic>
-        <p:nvPicPr>
-          <p:cNvPr id="4" name="Image 3">
-            <a:extLst>
-              <a:ext uri="{FF2B5EF4-FFF2-40B4-BE49-F238E27FC236}">
-                <a16:creationId xmlns:a16="http://schemas.microsoft.com/office/drawing/2014/main" id="{E0965F36-3C2E-4600-AF71-45444EC60FC5}"/>
-              </a:ext>
-            </a:extLst>
-          </p:cNvPr>
-          <p:cNvPicPr>
-            <a:picLocks noChangeAspect="1"/>
-          </p:cNvPicPr>
-          <p:nvPr/>
-        </p:nvPicPr>
-        <p:blipFill>
-          <a:blip r:embed="rId2"/>
-          <a:stretch>
-            <a:fillRect/>
-          </a:stretch>
-        </p:blipFill>
-        <p:spPr>
-          <a:xfrm>
-            <a:off x="1063690" y="3845396"/>
-            <a:ext cx="9255967" cy="2215384"/>
-          </a:xfrm>
-          <a:prstGeom prst="rect">
-            <a:avLst/>
-          </a:prstGeom>
-        </p:spPr>
-      </p:pic>
+            <a:endParaRPr lang="fr-FR" dirty="0"/>
+          </a:p>
+          <a:p>
+            <a:endParaRPr lang="fr-FR" dirty="0"/>
+          </a:p>
+          <a:p>
+            <a:endParaRPr lang="fr-FR" dirty="0"/>
+          </a:p>
+          <a:p>
+            <a:r>
+              <a:rPr lang="fr-FR" dirty="0"/>
+              <a:t>Description : </a:t>
+            </a:r>
+            <a:r>
+              <a:rPr lang="fr-FR" sz="1400" dirty="0">
+                <a:hlinkClick r:id="rId2"/>
+              </a:rPr>
+              <a:t>https://github.com/plawson/oc-project4/blob/master/documents/Data-Lake-Arborescence_v1.0.pdf</a:t>
+            </a:r>
+            <a:endParaRPr lang="fr-FR" sz="1400" dirty="0"/>
+          </a:p>
+          <a:p>
+            <a:endParaRPr lang="fr-FR" dirty="0"/>
+          </a:p>
+        </p:txBody>
+      </p:sp>
     </p:spTree>
     <p:extLst>
       <p:ext uri="{BB962C8B-B14F-4D97-AF65-F5344CB8AC3E}">
-        <p14:creationId xmlns:p14="http://schemas.microsoft.com/office/powerpoint/2010/main" val="1101315821"/>
+        <p14:creationId xmlns:p14="http://schemas.microsoft.com/office/powerpoint/2010/main" val="2997932571"/>
+      </p:ext>
+    </p:extLst>
+  </p:cSld>
+  <p:clrMapOvr>
+    <a:masterClrMapping/>
+  </p:clrMapOvr>
+</p:sld>
+</file>
+
+<file path=ppt/slides/slide9.xml><?xml version="1.0" encoding="utf-8"?>
+<p:sld xmlns:a="http://schemas.openxmlformats.org/drawingml/2006/main" xmlns:r="http://schemas.openxmlformats.org/officeDocument/2006/relationships" xmlns:p="http://schemas.openxmlformats.org/presentationml/2006/main">
+  <p:cSld>
+    <p:spTree>
+      <p:nvGrpSpPr>
+        <p:cNvPr id="1" name=""/>
+        <p:cNvGrpSpPr/>
+        <p:nvPr/>
+      </p:nvGrpSpPr>
+      <p:grpSpPr>
+        <a:xfrm>
+          <a:off x="0" y="0"/>
+          <a:ext cx="0" cy="0"/>
+          <a:chOff x="0" y="0"/>
+          <a:chExt cx="0" cy="0"/>
+        </a:xfrm>
+      </p:grpSpPr>
+      <p:sp>
+        <p:nvSpPr>
+          <p:cNvPr id="2" name="Titre 1">
+            <a:extLst>
+              <a:ext uri="{FF2B5EF4-FFF2-40B4-BE49-F238E27FC236}">
+                <a16:creationId xmlns:a16="http://schemas.microsoft.com/office/drawing/2014/main" id="{808F1DD1-4E5F-4BF7-9286-CB7198E14EA1}"/>
+              </a:ext>
+            </a:extLst>
+          </p:cNvPr>
+          <p:cNvSpPr>
+            <a:spLocks noGrp="1"/>
+          </p:cNvSpPr>
+          <p:nvPr>
+            <p:ph type="title"/>
+          </p:nvPr>
+        </p:nvSpPr>
+        <p:spPr>
+          <a:xfrm>
+            <a:off x="838200" y="365126"/>
+            <a:ext cx="10515600" cy="926264"/>
+          </a:xfrm>
+        </p:spPr>
+        <p:txBody>
+          <a:bodyPr/>
+          <a:lstStyle/>
+          <a:p>
+            <a:r>
+              <a:rPr lang="fr-FR" dirty="0"/>
+              <a:t>Sérialisation</a:t>
+            </a:r>
+          </a:p>
+        </p:txBody>
+      </p:sp>
+      <p:sp>
+        <p:nvSpPr>
+          <p:cNvPr id="3" name="Espace réservé du contenu 2">
+            <a:extLst>
+              <a:ext uri="{FF2B5EF4-FFF2-40B4-BE49-F238E27FC236}">
+                <a16:creationId xmlns:a16="http://schemas.microsoft.com/office/drawing/2014/main" id="{531FC9F1-5357-456B-A1D3-CA6B316B11A6}"/>
+              </a:ext>
+            </a:extLst>
+          </p:cNvPr>
+          <p:cNvSpPr>
+            <a:spLocks noGrp="1"/>
+          </p:cNvSpPr>
+          <p:nvPr>
+            <p:ph idx="1"/>
+          </p:nvPr>
+        </p:nvSpPr>
+        <p:spPr>
+          <a:xfrm>
+            <a:off x="838200" y="1291390"/>
+            <a:ext cx="10515600" cy="5382125"/>
+          </a:xfrm>
+        </p:spPr>
+        <p:txBody>
+          <a:bodyPr/>
+          <a:lstStyle/>
+          <a:p>
+            <a:r>
+              <a:rPr lang="fr-FR" dirty="0"/>
+              <a:t>La recherche d’experts ne nécessite qu’un sous ensemble des propriétés présentes dans l’extraction du Wikipédia en français.</a:t>
+            </a:r>
+          </a:p>
+          <a:p>
+            <a:r>
+              <a:rPr lang="fr-FR" dirty="0"/>
+              <a:t>Le Data Lake contient le master </a:t>
+            </a:r>
+            <a:r>
+              <a:rPr lang="fr-FR" dirty="0" err="1"/>
+              <a:t>Dataset</a:t>
+            </a:r>
+            <a:r>
+              <a:rPr lang="fr-FR" dirty="0"/>
+              <a:t>. Ainsi d’autres applications peuvent être amenées à utiliser ces données.</a:t>
+            </a:r>
+          </a:p>
+          <a:p>
+            <a:r>
+              <a:rPr lang="fr-FR" dirty="0"/>
+              <a:t>Le choix est de sérialiser l’ensemble des propriétés extraites afin de ne pas limiter l’utilisation de ce </a:t>
+            </a:r>
+            <a:r>
+              <a:rPr lang="fr-FR" dirty="0" err="1"/>
+              <a:t>Dataset</a:t>
+            </a:r>
+            <a:r>
+              <a:rPr lang="fr-FR" dirty="0"/>
+              <a:t> à la recherche d’experts.</a:t>
+            </a:r>
+          </a:p>
+          <a:p>
+            <a:r>
+              <a:rPr lang="fr-FR" dirty="0"/>
+              <a:t>Table </a:t>
+            </a:r>
+            <a:r>
+              <a:rPr lang="fr-FR" dirty="0" err="1"/>
+              <a:t>pagelinks</a:t>
+            </a:r>
+            <a:r>
+              <a:rPr lang="fr-FR" dirty="0"/>
+              <a:t> : </a:t>
+            </a:r>
+            <a:r>
+              <a:rPr lang="fr-FR" sz="2000" dirty="0">
+                <a:hlinkClick r:id="rId2"/>
+              </a:rPr>
+              <a:t>https://www.mediawiki.org/wiki/Manual:Pagelinks_table</a:t>
+            </a:r>
+            <a:r>
+              <a:rPr lang="fr-FR" dirty="0"/>
+              <a:t> </a:t>
+            </a:r>
+          </a:p>
+          <a:p>
+            <a:r>
+              <a:rPr lang="fr-FR" dirty="0"/>
+              <a:t>Schéma </a:t>
+            </a:r>
+            <a:r>
+              <a:rPr lang="fr-FR" dirty="0" err="1"/>
+              <a:t>Avro</a:t>
+            </a:r>
+            <a:r>
+              <a:rPr lang="fr-FR" dirty="0"/>
+              <a:t> : </a:t>
+            </a:r>
+            <a:r>
+              <a:rPr lang="fr-FR" sz="1800" dirty="0">
+                <a:hlinkClick r:id="rId3"/>
+              </a:rPr>
+              <a:t>https://github.com/plawson/oc-project4/blob/master/datalake/pagelinks.avsc</a:t>
+            </a:r>
+            <a:endParaRPr lang="fr-FR" sz="1800" dirty="0"/>
+          </a:p>
+          <a:p>
+            <a:r>
+              <a:rPr lang="fr-FR" dirty="0"/>
+              <a:t>Table </a:t>
+            </a:r>
+            <a:r>
+              <a:rPr lang="fr-FR" dirty="0" err="1"/>
+              <a:t>revision</a:t>
+            </a:r>
+            <a:r>
+              <a:rPr lang="fr-FR" dirty="0"/>
+              <a:t> : </a:t>
+            </a:r>
+            <a:r>
+              <a:rPr lang="fr-FR" sz="2000" dirty="0">
+                <a:hlinkClick r:id="rId4"/>
+              </a:rPr>
+              <a:t>https://www.mediawiki.org/wiki/Manual:Revision_table</a:t>
+            </a:r>
+            <a:endParaRPr lang="fr-FR" sz="2000" dirty="0"/>
+          </a:p>
+          <a:p>
+            <a:r>
+              <a:rPr lang="fr-FR" dirty="0"/>
+              <a:t>Schéma </a:t>
+            </a:r>
+            <a:r>
+              <a:rPr lang="fr-FR" dirty="0" err="1"/>
+              <a:t>Avro</a:t>
+            </a:r>
+            <a:r>
+              <a:rPr lang="fr-FR" dirty="0"/>
+              <a:t> : </a:t>
+            </a:r>
+            <a:r>
+              <a:rPr lang="fr-FR" sz="1800" dirty="0">
+                <a:hlinkClick r:id="rId5"/>
+              </a:rPr>
+              <a:t>https://github.com/plawson/oc-project4/blob/master/datalake/history.avsc</a:t>
+            </a:r>
+            <a:endParaRPr lang="fr-FR" sz="1800" dirty="0"/>
+          </a:p>
+          <a:p>
+            <a:endParaRPr lang="fr-FR" dirty="0"/>
+          </a:p>
+          <a:p>
+            <a:endParaRPr lang="fr-FR" dirty="0"/>
+          </a:p>
+        </p:txBody>
+      </p:sp>
+    </p:spTree>
+    <p:extLst>
+      <p:ext uri="{BB962C8B-B14F-4D97-AF65-F5344CB8AC3E}">
+        <p14:creationId xmlns:p14="http://schemas.microsoft.com/office/powerpoint/2010/main" val="979881910"/>
       </p:ext>
     </p:extLst>
   </p:cSld>
